--- a/douban/豆瓣爬取.pptx
+++ b/douban/豆瓣爬取.pptx
@@ -9,6 +9,8 @@
     <p:sldId id="257" r:id="rId3"/>
     <p:sldId id="258" r:id="rId4"/>
     <p:sldId id="259" r:id="rId5"/>
+    <p:sldId id="260" r:id="rId6"/>
+    <p:sldId id="261" r:id="rId7"/>
   </p:sldIdLst>
   <p:sldSz cx="12192000" cy="6858000"/>
   <p:notesSz cx="6858000" cy="9144000"/>
@@ -3386,7 +3388,10 @@
           <a:bodyPr/>
           <a:lstStyle/>
           <a:p>
-            <a:endParaRPr lang="zh-CN" altLang="en-US"/>
+            <a:r>
+              <a:rPr lang="zh-CN" altLang="en-US" dirty="0"/>
+              <a:t>爬虫的基本原理</a:t>
+            </a:r>
           </a:p>
         </p:txBody>
       </p:sp>
@@ -3704,48 +3709,598 @@
             </a:r>
             <a:r>
               <a:rPr lang="zh-CN" altLang="en-US" dirty="0"/>
-              <a:t>发送请求处理页面</a:t>
-            </a:r>
+              <a:t>发送请求获取页面</a:t>
+            </a:r>
+          </a:p>
+        </p:txBody>
+      </p:sp>
+      <p:sp>
+        <p:nvSpPr>
+          <p:cNvPr id="3" name="内容占位符 2">
+            <a:extLst>
+              <a:ext uri="{FF2B5EF4-FFF2-40B4-BE49-F238E27FC236}">
+                <a16:creationId xmlns:a16="http://schemas.microsoft.com/office/drawing/2014/main" id="{D0F01E29-1EAA-4C46-AB0C-7DF7BBF1BE4B}"/>
+              </a:ext>
+            </a:extLst>
+          </p:cNvPr>
+          <p:cNvSpPr>
+            <a:spLocks noGrp="1"/>
+          </p:cNvSpPr>
+          <p:nvPr>
+            <p:ph idx="1"/>
+          </p:nvPr>
+        </p:nvSpPr>
+        <p:spPr/>
+        <p:txBody>
+          <a:bodyPr/>
+          <a:lstStyle/>
+          <a:p>
+            <a:pPr marL="0" indent="0">
+              <a:buNone/>
+            </a:pPr>
             <a:r>
               <a:rPr lang="en-US" altLang="zh-CN" dirty="0"/>
-              <a:t> </a:t>
-            </a:r>
+              <a:t>2.1 </a:t>
+            </a:r>
+            <a:r>
+              <a:rPr lang="zh-CN" altLang="en-US" dirty="0"/>
+              <a:t>构造请求</a:t>
+            </a:r>
+            <a:endParaRPr lang="en-US" altLang="zh-CN" dirty="0"/>
+          </a:p>
+          <a:p>
+            <a:pPr marL="0" indent="0">
+              <a:buNone/>
+            </a:pPr>
+            <a:r>
+              <a:rPr lang="zh-CN" altLang="en-US" dirty="0"/>
+              <a:t>（</a:t>
+            </a:r>
+            <a:r>
+              <a:rPr lang="en-US" altLang="zh-CN" dirty="0"/>
+              <a:t>1</a:t>
+            </a:r>
+            <a:r>
+              <a:rPr lang="zh-CN" altLang="en-US" dirty="0"/>
+              <a:t>）发现页面规律（</a:t>
+            </a:r>
+            <a:r>
+              <a:rPr lang="en-US" altLang="zh-CN" dirty="0"/>
+              <a:t>a.</a:t>
+            </a:r>
+            <a:r>
+              <a:rPr lang="zh-CN" altLang="en-US" dirty="0"/>
+              <a:t>每页显示</a:t>
+            </a:r>
+            <a:r>
+              <a:rPr lang="en-US" altLang="zh-CN" dirty="0"/>
+              <a:t>25</a:t>
+            </a:r>
+            <a:r>
+              <a:rPr lang="zh-CN" altLang="en-US" dirty="0"/>
+              <a:t>条 </a:t>
+            </a:r>
+            <a:r>
+              <a:rPr lang="en-US" altLang="zh-CN" dirty="0"/>
+              <a:t>b. start=</a:t>
+            </a:r>
+            <a:r>
+              <a:rPr lang="zh-CN" altLang="en-US" dirty="0"/>
+              <a:t>起始序号</a:t>
+            </a:r>
+            <a:r>
+              <a:rPr lang="en-US" altLang="zh-CN" dirty="0"/>
+              <a:t>+1</a:t>
+            </a:r>
+            <a:r>
+              <a:rPr lang="zh-CN" altLang="en-US" dirty="0"/>
+              <a:t>）</a:t>
+            </a:r>
+            <a:endParaRPr lang="en-US" altLang="zh-CN" dirty="0"/>
+          </a:p>
+          <a:p>
+            <a:pPr marL="0" indent="0">
+              <a:buNone/>
+            </a:pPr>
             <a:endParaRPr lang="zh-CN" altLang="en-US" dirty="0"/>
           </a:p>
         </p:txBody>
       </p:sp>
-      <p:sp>
-        <p:nvSpPr>
-          <p:cNvPr id="3" name="内容占位符 2">
-            <a:extLst>
-              <a:ext uri="{FF2B5EF4-FFF2-40B4-BE49-F238E27FC236}">
-                <a16:creationId xmlns:a16="http://schemas.microsoft.com/office/drawing/2014/main" id="{D0F01E29-1EAA-4C46-AB0C-7DF7BBF1BE4B}"/>
-              </a:ext>
-            </a:extLst>
-          </p:cNvPr>
-          <p:cNvSpPr>
-            <a:spLocks noGrp="1"/>
-          </p:cNvSpPr>
-          <p:nvPr>
-            <p:ph idx="1"/>
-          </p:nvPr>
-        </p:nvSpPr>
-        <p:spPr/>
-        <p:txBody>
-          <a:bodyPr/>
-          <a:lstStyle/>
-          <a:p>
-            <a:pPr marL="0" indent="0">
-              <a:buNone/>
-            </a:pPr>
-            <a:endParaRPr lang="zh-CN" altLang="en-US"/>
-          </a:p>
-        </p:txBody>
-      </p:sp>
+      <p:pic>
+        <p:nvPicPr>
+          <p:cNvPr id="5" name="图片 4">
+            <a:extLst>
+              <a:ext uri="{FF2B5EF4-FFF2-40B4-BE49-F238E27FC236}">
+                <a16:creationId xmlns:a16="http://schemas.microsoft.com/office/drawing/2014/main" id="{016FF878-D3B7-4B38-9D0D-F4D52BDF6D29}"/>
+              </a:ext>
+            </a:extLst>
+          </p:cNvPr>
+          <p:cNvPicPr>
+            <a:picLocks noChangeAspect="1"/>
+          </p:cNvPicPr>
+          <p:nvPr/>
+        </p:nvPicPr>
+        <p:blipFill>
+          <a:blip r:embed="rId2"/>
+          <a:stretch>
+            <a:fillRect/>
+          </a:stretch>
+        </p:blipFill>
+        <p:spPr>
+          <a:xfrm>
+            <a:off x="1101013" y="2921994"/>
+            <a:ext cx="3459035" cy="3805377"/>
+          </a:xfrm>
+          <a:prstGeom prst="rect">
+            <a:avLst/>
+          </a:prstGeom>
+        </p:spPr>
+      </p:pic>
+      <p:pic>
+        <p:nvPicPr>
+          <p:cNvPr id="7" name="图片 6">
+            <a:extLst>
+              <a:ext uri="{FF2B5EF4-FFF2-40B4-BE49-F238E27FC236}">
+                <a16:creationId xmlns:a16="http://schemas.microsoft.com/office/drawing/2014/main" id="{2AC11B0C-D82A-4A32-81BD-CD7BDBA0D5F8}"/>
+              </a:ext>
+            </a:extLst>
+          </p:cNvPr>
+          <p:cNvPicPr>
+            <a:picLocks noChangeAspect="1"/>
+          </p:cNvPicPr>
+          <p:nvPr/>
+        </p:nvPicPr>
+        <p:blipFill>
+          <a:blip r:embed="rId3"/>
+          <a:stretch>
+            <a:fillRect/>
+          </a:stretch>
+        </p:blipFill>
+        <p:spPr>
+          <a:xfrm>
+            <a:off x="4560048" y="2848434"/>
+            <a:ext cx="3404995" cy="3804292"/>
+          </a:xfrm>
+          <a:prstGeom prst="rect">
+            <a:avLst/>
+          </a:prstGeom>
+        </p:spPr>
+      </p:pic>
+      <p:pic>
+        <p:nvPicPr>
+          <p:cNvPr id="9" name="图片 8">
+            <a:extLst>
+              <a:ext uri="{FF2B5EF4-FFF2-40B4-BE49-F238E27FC236}">
+                <a16:creationId xmlns:a16="http://schemas.microsoft.com/office/drawing/2014/main" id="{2D6651C4-6C82-407C-9601-54BB7D81180E}"/>
+              </a:ext>
+            </a:extLst>
+          </p:cNvPr>
+          <p:cNvPicPr>
+            <a:picLocks noChangeAspect="1"/>
+          </p:cNvPicPr>
+          <p:nvPr/>
+        </p:nvPicPr>
+        <p:blipFill>
+          <a:blip r:embed="rId4"/>
+          <a:stretch>
+            <a:fillRect/>
+          </a:stretch>
+        </p:blipFill>
+        <p:spPr>
+          <a:xfrm>
+            <a:off x="8228424" y="2848434"/>
+            <a:ext cx="3388189" cy="2569342"/>
+          </a:xfrm>
+          <a:prstGeom prst="rect">
+            <a:avLst/>
+          </a:prstGeom>
+        </p:spPr>
+      </p:pic>
     </p:spTree>
     <p:extLst>
       <p:ext uri="{BB962C8B-B14F-4D97-AF65-F5344CB8AC3E}">
         <p14:creationId xmlns:p14="http://schemas.microsoft.com/office/powerpoint/2010/main" val="1208192536"/>
+      </p:ext>
+    </p:extLst>
+  </p:cSld>
+  <p:clrMapOvr>
+    <a:masterClrMapping/>
+  </p:clrMapOvr>
+</p:sld>
+</file>
+
+<file path=ppt/slides/slide5.xml><?xml version="1.0" encoding="utf-8"?>
+<p:sld xmlns:a="http://schemas.openxmlformats.org/drawingml/2006/main" xmlns:r="http://schemas.openxmlformats.org/officeDocument/2006/relationships" xmlns:p="http://schemas.openxmlformats.org/presentationml/2006/main">
+  <p:cSld>
+    <p:spTree>
+      <p:nvGrpSpPr>
+        <p:cNvPr id="1" name=""/>
+        <p:cNvGrpSpPr/>
+        <p:nvPr/>
+      </p:nvGrpSpPr>
+      <p:grpSpPr>
+        <a:xfrm>
+          <a:off x="0" y="0"/>
+          <a:ext cx="0" cy="0"/>
+          <a:chOff x="0" y="0"/>
+          <a:chExt cx="0" cy="0"/>
+        </a:xfrm>
+      </p:grpSpPr>
+      <p:sp>
+        <p:nvSpPr>
+          <p:cNvPr id="2" name="标题 1">
+            <a:extLst>
+              <a:ext uri="{FF2B5EF4-FFF2-40B4-BE49-F238E27FC236}">
+                <a16:creationId xmlns:a16="http://schemas.microsoft.com/office/drawing/2014/main" id="{82862872-D5B7-467D-BC63-2A930D55A404}"/>
+              </a:ext>
+            </a:extLst>
+          </p:cNvPr>
+          <p:cNvSpPr>
+            <a:spLocks noGrp="1"/>
+          </p:cNvSpPr>
+          <p:nvPr>
+            <p:ph type="title"/>
+          </p:nvPr>
+        </p:nvSpPr>
+        <p:spPr/>
+        <p:txBody>
+          <a:bodyPr/>
+          <a:lstStyle/>
+          <a:p>
+            <a:r>
+              <a:rPr lang="en-US" altLang="zh-CN" dirty="0"/>
+              <a:t>2 </a:t>
+            </a:r>
+            <a:r>
+              <a:rPr lang="zh-CN" altLang="en-US" dirty="0"/>
+              <a:t>发送请求获取页面</a:t>
+            </a:r>
+          </a:p>
+        </p:txBody>
+      </p:sp>
+      <p:sp>
+        <p:nvSpPr>
+          <p:cNvPr id="3" name="内容占位符 2">
+            <a:extLst>
+              <a:ext uri="{FF2B5EF4-FFF2-40B4-BE49-F238E27FC236}">
+                <a16:creationId xmlns:a16="http://schemas.microsoft.com/office/drawing/2014/main" id="{F74E306D-7682-49E5-9DD7-9C3467CB4861}"/>
+              </a:ext>
+            </a:extLst>
+          </p:cNvPr>
+          <p:cNvSpPr>
+            <a:spLocks noGrp="1"/>
+          </p:cNvSpPr>
+          <p:nvPr>
+            <p:ph idx="1"/>
+          </p:nvPr>
+        </p:nvSpPr>
+        <p:spPr/>
+        <p:txBody>
+          <a:bodyPr/>
+          <a:lstStyle/>
+          <a:p>
+            <a:pPr marL="0" indent="0">
+              <a:buNone/>
+            </a:pPr>
+            <a:r>
+              <a:rPr lang="zh-CN" altLang="en-US" dirty="0"/>
+              <a:t>（</a:t>
+            </a:r>
+            <a:r>
+              <a:rPr lang="en-US" altLang="zh-CN" dirty="0"/>
+              <a:t>2</a:t>
+            </a:r>
+            <a:r>
+              <a:rPr lang="zh-CN" altLang="en-US" dirty="0"/>
+              <a:t>）查看请求形式</a:t>
+            </a:r>
+            <a:endParaRPr lang="en-US" altLang="zh-CN" dirty="0"/>
+          </a:p>
+          <a:p>
+            <a:pPr marL="0" indent="0">
+              <a:buNone/>
+            </a:pPr>
+            <a:r>
+              <a:rPr lang="en-US" altLang="zh-CN" dirty="0"/>
+              <a:t>Chrome</a:t>
+            </a:r>
+            <a:r>
+              <a:rPr lang="zh-CN" altLang="en-US" dirty="0"/>
+              <a:t>浏览器按</a:t>
+            </a:r>
+            <a:r>
+              <a:rPr lang="en-US" altLang="zh-CN" dirty="0"/>
+              <a:t>F12</a:t>
+            </a:r>
+            <a:r>
+              <a:rPr lang="zh-CN" altLang="en-US" dirty="0"/>
+              <a:t>（</a:t>
+            </a:r>
+            <a:r>
+              <a:rPr lang="en-US" altLang="zh-CN" dirty="0"/>
+              <a:t>a. </a:t>
+            </a:r>
+            <a:r>
+              <a:rPr lang="zh-CN" altLang="en-US" dirty="0"/>
+              <a:t>找到真实请求 </a:t>
+            </a:r>
+            <a:r>
+              <a:rPr lang="en-US" altLang="zh-CN" dirty="0"/>
+              <a:t>b.</a:t>
+            </a:r>
+            <a:r>
+              <a:rPr lang="zh-CN" altLang="en-US" dirty="0"/>
+              <a:t>关注重点参数）</a:t>
+            </a:r>
+            <a:endParaRPr lang="en-US" altLang="zh-CN" dirty="0"/>
+          </a:p>
+          <a:p>
+            <a:pPr marL="0" indent="0">
+              <a:buNone/>
+            </a:pPr>
+            <a:endParaRPr lang="zh-CN" altLang="en-US" dirty="0"/>
+          </a:p>
+        </p:txBody>
+      </p:sp>
+      <p:pic>
+        <p:nvPicPr>
+          <p:cNvPr id="7" name="图片 6">
+            <a:extLst>
+              <a:ext uri="{FF2B5EF4-FFF2-40B4-BE49-F238E27FC236}">
+                <a16:creationId xmlns:a16="http://schemas.microsoft.com/office/drawing/2014/main" id="{ADF0DF78-B04C-44C2-9CD0-6F020DA2A941}"/>
+              </a:ext>
+            </a:extLst>
+          </p:cNvPr>
+          <p:cNvPicPr>
+            <a:picLocks noChangeAspect="1"/>
+          </p:cNvPicPr>
+          <p:nvPr/>
+        </p:nvPicPr>
+        <p:blipFill>
+          <a:blip r:embed="rId2"/>
+          <a:stretch>
+            <a:fillRect/>
+          </a:stretch>
+        </p:blipFill>
+        <p:spPr>
+          <a:xfrm>
+            <a:off x="510074" y="3127186"/>
+            <a:ext cx="8598966" cy="3365689"/>
+          </a:xfrm>
+          <a:prstGeom prst="rect">
+            <a:avLst/>
+          </a:prstGeom>
+        </p:spPr>
+      </p:pic>
+    </p:spTree>
+    <p:extLst>
+      <p:ext uri="{BB962C8B-B14F-4D97-AF65-F5344CB8AC3E}">
+        <p14:creationId xmlns:p14="http://schemas.microsoft.com/office/powerpoint/2010/main" val="2391227024"/>
+      </p:ext>
+    </p:extLst>
+  </p:cSld>
+  <p:clrMapOvr>
+    <a:masterClrMapping/>
+  </p:clrMapOvr>
+</p:sld>
+</file>
+
+<file path=ppt/slides/slide6.xml><?xml version="1.0" encoding="utf-8"?>
+<p:sld xmlns:a="http://schemas.openxmlformats.org/drawingml/2006/main" xmlns:r="http://schemas.openxmlformats.org/officeDocument/2006/relationships" xmlns:p="http://schemas.openxmlformats.org/presentationml/2006/main">
+  <p:cSld>
+    <p:spTree>
+      <p:nvGrpSpPr>
+        <p:cNvPr id="1" name=""/>
+        <p:cNvGrpSpPr/>
+        <p:nvPr/>
+      </p:nvGrpSpPr>
+      <p:grpSpPr>
+        <a:xfrm>
+          <a:off x="0" y="0"/>
+          <a:ext cx="0" cy="0"/>
+          <a:chOff x="0" y="0"/>
+          <a:chExt cx="0" cy="0"/>
+        </a:xfrm>
+      </p:grpSpPr>
+      <p:sp>
+        <p:nvSpPr>
+          <p:cNvPr id="2" name="标题 1">
+            <a:extLst>
+              <a:ext uri="{FF2B5EF4-FFF2-40B4-BE49-F238E27FC236}">
+                <a16:creationId xmlns:a16="http://schemas.microsoft.com/office/drawing/2014/main" id="{82862872-D5B7-467D-BC63-2A930D55A404}"/>
+              </a:ext>
+            </a:extLst>
+          </p:cNvPr>
+          <p:cNvSpPr>
+            <a:spLocks noGrp="1"/>
+          </p:cNvSpPr>
+          <p:nvPr>
+            <p:ph type="title"/>
+          </p:nvPr>
+        </p:nvSpPr>
+        <p:spPr/>
+        <p:txBody>
+          <a:bodyPr/>
+          <a:lstStyle/>
+          <a:p>
+            <a:r>
+              <a:rPr lang="en-US" altLang="zh-CN" dirty="0"/>
+              <a:t>2 </a:t>
+            </a:r>
+            <a:r>
+              <a:rPr lang="zh-CN" altLang="en-US" dirty="0"/>
+              <a:t>发送请求获取页面</a:t>
+            </a:r>
+          </a:p>
+        </p:txBody>
+      </p:sp>
+      <p:sp>
+        <p:nvSpPr>
+          <p:cNvPr id="3" name="内容占位符 2">
+            <a:extLst>
+              <a:ext uri="{FF2B5EF4-FFF2-40B4-BE49-F238E27FC236}">
+                <a16:creationId xmlns:a16="http://schemas.microsoft.com/office/drawing/2014/main" id="{F74E306D-7682-49E5-9DD7-9C3467CB4861}"/>
+              </a:ext>
+            </a:extLst>
+          </p:cNvPr>
+          <p:cNvSpPr>
+            <a:spLocks noGrp="1"/>
+          </p:cNvSpPr>
+          <p:nvPr>
+            <p:ph idx="1"/>
+          </p:nvPr>
+        </p:nvSpPr>
+        <p:spPr/>
+        <p:txBody>
+          <a:bodyPr/>
+          <a:lstStyle/>
+          <a:p>
+            <a:pPr marL="0" indent="0">
+              <a:buNone/>
+            </a:pPr>
+            <a:r>
+              <a:rPr lang="zh-CN" altLang="en-US" dirty="0"/>
+              <a:t>（</a:t>
+            </a:r>
+            <a:r>
+              <a:rPr lang="en-US" altLang="zh-CN" dirty="0"/>
+              <a:t>3</a:t>
+            </a:r>
+            <a:r>
+              <a:rPr lang="zh-CN" altLang="en-US" dirty="0"/>
+              <a:t>）构造请求</a:t>
+            </a:r>
+            <a:r>
+              <a:rPr lang="en-US" altLang="zh-CN" dirty="0"/>
+              <a:t>(</a:t>
+            </a:r>
+            <a:r>
+              <a:rPr lang="zh-CN" altLang="en-US" dirty="0"/>
+              <a:t>具体代码见</a:t>
+            </a:r>
+            <a:r>
+              <a:rPr lang="en-US" altLang="zh-CN" dirty="0" err="1"/>
+              <a:t>manman</a:t>
+            </a:r>
+            <a:r>
+              <a:rPr lang="en-US" altLang="zh-CN" dirty="0"/>
+              <a:t>/test/getHtml.py)</a:t>
+            </a:r>
+          </a:p>
+          <a:p>
+            <a:pPr marL="514350" indent="-514350">
+              <a:buAutoNum type="alphaLcPeriod"/>
+            </a:pPr>
+            <a:r>
+              <a:rPr lang="zh-CN" altLang="en-US" dirty="0"/>
+              <a:t>伪造成浏览器</a:t>
+            </a:r>
+            <a:r>
+              <a:rPr lang="en-US" altLang="zh-CN" dirty="0"/>
+              <a:t>(User-Agent</a:t>
+            </a:r>
+            <a:r>
+              <a:rPr lang="zh-CN" altLang="en-US" dirty="0"/>
+              <a:t>参数</a:t>
+            </a:r>
+            <a:r>
+              <a:rPr lang="en-US" altLang="zh-CN" dirty="0"/>
+              <a:t>)</a:t>
+            </a:r>
+            <a:r>
+              <a:rPr lang="zh-CN" altLang="en-US" dirty="0"/>
+              <a:t>，设置为发送 </a:t>
+            </a:r>
+            <a:r>
+              <a:rPr lang="en-US" altLang="zh-CN" dirty="0"/>
+              <a:t>GET </a:t>
+            </a:r>
+            <a:r>
+              <a:rPr lang="zh-CN" altLang="en-US" dirty="0"/>
+              <a:t>请求</a:t>
+            </a:r>
+            <a:endParaRPr lang="en-US" altLang="zh-CN" dirty="0"/>
+          </a:p>
+          <a:p>
+            <a:pPr marL="514350" indent="-514350">
+              <a:buAutoNum type="alphaLcPeriod"/>
+            </a:pPr>
+            <a:r>
+              <a:rPr lang="zh-CN" altLang="en-US" dirty="0"/>
+              <a:t>构造请求</a:t>
+            </a:r>
+            <a:r>
+              <a:rPr lang="en-US" altLang="zh-CN" dirty="0"/>
+              <a:t>, </a:t>
+            </a:r>
+            <a:r>
+              <a:rPr lang="zh-CN" altLang="en-US" dirty="0"/>
+              <a:t>生成请求器</a:t>
+            </a:r>
+            <a:endParaRPr lang="en-US" altLang="zh-CN" dirty="0"/>
+          </a:p>
+          <a:p>
+            <a:pPr marL="514350" indent="-514350">
+              <a:buAutoNum type="alphaLcPeriod"/>
+            </a:pPr>
+            <a:r>
+              <a:rPr lang="zh-CN" altLang="en-US" dirty="0"/>
+              <a:t>发送请求</a:t>
+            </a:r>
+            <a:r>
+              <a:rPr lang="en-US" altLang="zh-CN" dirty="0"/>
+              <a:t>, </a:t>
+            </a:r>
+            <a:r>
+              <a:rPr lang="zh-CN" altLang="en-US" dirty="0"/>
+              <a:t>获取存有页面内容的变量</a:t>
+            </a:r>
+            <a:endParaRPr lang="en-US" altLang="zh-CN" dirty="0"/>
+          </a:p>
+          <a:p>
+            <a:pPr marL="514350" indent="-514350">
+              <a:buAutoNum type="alphaLcPeriod"/>
+            </a:pPr>
+            <a:r>
+              <a:rPr lang="zh-CN" altLang="en-US" dirty="0"/>
+              <a:t>调用</a:t>
+            </a:r>
+            <a:r>
+              <a:rPr lang="en-US" altLang="zh-CN" dirty="0"/>
+              <a:t>read()</a:t>
+            </a:r>
+            <a:r>
+              <a:rPr lang="zh-CN" altLang="en-US" dirty="0"/>
+              <a:t>方法和</a:t>
+            </a:r>
+            <a:r>
+              <a:rPr lang="en-US" altLang="zh-CN" dirty="0"/>
+              <a:t>decode()</a:t>
+            </a:r>
+            <a:r>
+              <a:rPr lang="zh-CN" altLang="en-US" dirty="0"/>
+              <a:t>方法读取并解析网页内容</a:t>
+            </a:r>
+            <a:endParaRPr lang="en-US" altLang="zh-CN" dirty="0"/>
+          </a:p>
+          <a:p>
+            <a:pPr marL="0" indent="0">
+              <a:buNone/>
+            </a:pPr>
+            <a:endParaRPr lang="en-US" altLang="zh-CN" dirty="0"/>
+          </a:p>
+          <a:p>
+            <a:pPr marL="0" indent="0">
+              <a:buNone/>
+            </a:pPr>
+            <a:endParaRPr lang="zh-CN" altLang="en-US" dirty="0"/>
+          </a:p>
+        </p:txBody>
+      </p:sp>
+    </p:spTree>
+    <p:extLst>
+      <p:ext uri="{BB962C8B-B14F-4D97-AF65-F5344CB8AC3E}">
+        <p14:creationId xmlns:p14="http://schemas.microsoft.com/office/powerpoint/2010/main" val="1796144371"/>
       </p:ext>
     </p:extLst>
   </p:cSld>
